--- a/Chrome Extension 101.pptx
+++ b/Chrome Extension 101.pptx
@@ -3873,7 +3873,7 @@
         </p:blipFill>
         <p:spPr>
           <a:xfrm>
-            <a:off x="2453879" y="4873227"/>
+            <a:off x="2201120" y="5267235"/>
             <a:ext cx="4393406" cy="1235869"/>
           </a:xfrm>
           <a:prstGeom prst="rect">
@@ -3889,7 +3889,7 @@
         </p:nvSpPr>
         <p:spPr>
           <a:xfrm>
-            <a:off x="4650582" y="5391150"/>
+            <a:off x="2910993" y="6127129"/>
             <a:ext cx="1778794" cy="200025"/>
           </a:xfrm>
           <a:prstGeom prst="rect">
@@ -5128,7 +5128,7 @@
         </p:blipFill>
         <p:spPr>
           <a:xfrm>
-            <a:off x="2107406" y="3460954"/>
+            <a:off x="2107406" y="3639373"/>
             <a:ext cx="4929188" cy="2222093"/>
           </a:xfrm>
           <a:prstGeom prst="rect">
